--- a/training-cards/emotional erwachsen/Family (FAM)/ger/apprentice/ger_FAM_01_Wie_wollen_wir_zusammenleben_EE_A.pptx
+++ b/training-cards/emotional erwachsen/Family (FAM)/ger/apprentice/ger_FAM_01_Wie_wollen_wir_zusammenleben_EE_A.pptx
@@ -108,6 +108,22 @@
       </a:defRPr>
     </a:lvl9pPr>
   </p:defaultTextStyle>
+  <p:extLst>
+    <p:ext uri="{EFAFB233-063F-42B5-8137-9DF3F51BA10A}">
+      <p15:sldGuideLst xmlns:p15="http://schemas.microsoft.com/office/powerpoint/2012/main">
+        <p15:guide id="1" orient="horz" pos="872">
+          <p15:clr>
+            <a:srgbClr val="A4A3A4"/>
+          </p15:clr>
+        </p15:guide>
+        <p15:guide id="2" pos="718">
+          <p15:clr>
+            <a:srgbClr val="A4A3A4"/>
+          </p15:clr>
+        </p15:guide>
+      </p15:sldGuideLst>
+    </p:ext>
+  </p:extLst>
 </p:presentation>
 </file>
 
@@ -193,7 +209,7 @@
           <a:p>
             <a:fld id="{6E077CBB-2DF5-4D45-BDDD-22DB2684D07E}" type="datetimeFigureOut">
               <a:rPr lang="de-DE" smtClean="0"/>
-              <a:t>26.06.15</a:t>
+              <a:t>04.11.15</a:t>
             </a:fld>
             <a:endParaRPr lang="de-DE"/>
           </a:p>
@@ -337,107 +353,33 @@
         </p:nvSpPr>
         <p:spPr>
           <a:xfrm>
-            <a:off x="1166813" y="824098"/>
-            <a:ext cx="5293995" cy="706149"/>
+            <a:off x="1166813" y="890545"/>
+            <a:ext cx="5293995" cy="639701"/>
           </a:xfrm>
         </p:spPr>
         <p:txBody>
-          <a:bodyPr>
+          <a:bodyPr vert="horz" lIns="80678" tIns="40339" rIns="80678" bIns="40339" rtlCol="0">
             <a:normAutofit/>
           </a:bodyPr>
           <a:lstStyle>
-            <a:lvl1pPr marL="0" indent="0" algn="l">
-              <a:buNone/>
-              <a:defRPr sz="2300">
-                <a:solidFill>
-                  <a:srgbClr val="229237"/>
-                </a:solidFill>
+            <a:lvl1pPr>
+              <a:defRPr lang="de-DE" cap="all" dirty="0">
                 <a:latin typeface="Avenir Book"/>
                 <a:cs typeface="Avenir Book"/>
               </a:defRPr>
             </a:lvl1pPr>
-            <a:lvl2pPr marL="403388" indent="0" algn="ctr">
+          </a:lstStyle>
+          <a:p>
+            <a:pPr marL="0" lvl="0" indent="0">
+              <a:spcBef>
+                <a:spcPct val="20000"/>
+              </a:spcBef>
+              <a:buClr>
+                <a:srgbClr val="7E006B"/>
+              </a:buClr>
+              <a:buSzPct val="170000"/>
               <a:buNone/>
-              <a:defRPr>
-                <a:solidFill>
-                  <a:schemeClr val="tx1">
-                    <a:tint val="75000"/>
-                  </a:schemeClr>
-                </a:solidFill>
-              </a:defRPr>
-            </a:lvl2pPr>
-            <a:lvl3pPr marL="806775" indent="0" algn="ctr">
-              <a:buNone/>
-              <a:defRPr>
-                <a:solidFill>
-                  <a:schemeClr val="tx1">
-                    <a:tint val="75000"/>
-                  </a:schemeClr>
-                </a:solidFill>
-              </a:defRPr>
-            </a:lvl3pPr>
-            <a:lvl4pPr marL="1210163" indent="0" algn="ctr">
-              <a:buNone/>
-              <a:defRPr>
-                <a:solidFill>
-                  <a:schemeClr val="tx1">
-                    <a:tint val="75000"/>
-                  </a:schemeClr>
-                </a:solidFill>
-              </a:defRPr>
-            </a:lvl4pPr>
-            <a:lvl5pPr marL="1613550" indent="0" algn="ctr">
-              <a:buNone/>
-              <a:defRPr>
-                <a:solidFill>
-                  <a:schemeClr val="tx1">
-                    <a:tint val="75000"/>
-                  </a:schemeClr>
-                </a:solidFill>
-              </a:defRPr>
-            </a:lvl5pPr>
-            <a:lvl6pPr marL="2016938" indent="0" algn="ctr">
-              <a:buNone/>
-              <a:defRPr>
-                <a:solidFill>
-                  <a:schemeClr val="tx1">
-                    <a:tint val="75000"/>
-                  </a:schemeClr>
-                </a:solidFill>
-              </a:defRPr>
-            </a:lvl6pPr>
-            <a:lvl7pPr marL="2420325" indent="0" algn="ctr">
-              <a:buNone/>
-              <a:defRPr>
-                <a:solidFill>
-                  <a:schemeClr val="tx1">
-                    <a:tint val="75000"/>
-                  </a:schemeClr>
-                </a:solidFill>
-              </a:defRPr>
-            </a:lvl7pPr>
-            <a:lvl8pPr marL="2823713" indent="0" algn="ctr">
-              <a:buNone/>
-              <a:defRPr>
-                <a:solidFill>
-                  <a:schemeClr val="tx1">
-                    <a:tint val="75000"/>
-                  </a:schemeClr>
-                </a:solidFill>
-              </a:defRPr>
-            </a:lvl8pPr>
-            <a:lvl9pPr marL="3227100" indent="0" algn="ctr">
-              <a:buNone/>
-              <a:defRPr>
-                <a:solidFill>
-                  <a:schemeClr val="tx1">
-                    <a:tint val="75000"/>
-                  </a:schemeClr>
-                </a:solidFill>
-              </a:defRPr>
-            </a:lvl9pPr>
-          </a:lstStyle>
-          <a:p>
+            </a:pPr>
             <a:r>
               <a:rPr lang="de-DE" smtClean="0"/>
               <a:t>Master-Untertitelformat bearbeiten</a:t>
@@ -594,7 +536,7 @@
           </a:lstStyle>
           <a:p>
             <a:r>
-              <a:rPr lang="de-DE" smtClean="0"/>
+              <a:rPr lang="de-DE" dirty="0" smtClean="0"/>
               <a:t>Mastertitelformat bearbeiten</a:t>
             </a:r>
             <a:endParaRPr lang="de-DE" dirty="0"/>
@@ -689,6 +631,53 @@
             <a:r>
               <a:rPr lang="de-DE" smtClean="0"/>
               <a:t>Fünfte Ebene</a:t>
+            </a:r>
+            <a:endParaRPr lang="de-DE" dirty="0"/>
+          </a:p>
+        </p:txBody>
+      </p:sp>
+      <p:sp>
+        <p:nvSpPr>
+          <p:cNvPr id="4" name="Untertitel 2"/>
+          <p:cNvSpPr>
+            <a:spLocks noGrp="1"/>
+          </p:cNvSpPr>
+          <p:nvPr>
+            <p:ph type="subTitle" idx="1"/>
+          </p:nvPr>
+        </p:nvSpPr>
+        <p:spPr>
+          <a:xfrm>
+            <a:off x="1166813" y="1057523"/>
+            <a:ext cx="5293995" cy="472723"/>
+          </a:xfrm>
+        </p:spPr>
+        <p:txBody>
+          <a:bodyPr vert="horz" lIns="80678" tIns="40339" rIns="80678" bIns="40339" rtlCol="0">
+            <a:normAutofit/>
+          </a:bodyPr>
+          <a:lstStyle>
+            <a:lvl1pPr>
+              <a:defRPr lang="de-DE" cap="all" dirty="0">
+                <a:latin typeface="Avenir Book"/>
+                <a:cs typeface="Avenir Book"/>
+              </a:defRPr>
+            </a:lvl1pPr>
+          </a:lstStyle>
+          <a:p>
+            <a:pPr marL="0" lvl="0" indent="0">
+              <a:spcBef>
+                <a:spcPct val="20000"/>
+              </a:spcBef>
+              <a:buClr>
+                <a:srgbClr val="7E006B"/>
+              </a:buClr>
+              <a:buSzPct val="170000"/>
+              <a:buNone/>
+            </a:pPr>
+            <a:r>
+              <a:rPr lang="de-DE" smtClean="0"/>
+              <a:t>Master-Untertitelformat bearbeiten</a:t>
             </a:r>
             <a:endParaRPr lang="de-DE" dirty="0"/>
           </a:p>
@@ -895,6 +884,162 @@
           </a:p>
         </p:txBody>
       </p:sp>
+      <p:sp>
+        <p:nvSpPr>
+          <p:cNvPr id="4" name="Textfeld 3"/>
+          <p:cNvSpPr txBox="1"/>
+          <p:nvPr userDrawn="1"/>
+        </p:nvSpPr>
+        <p:spPr>
+          <a:xfrm>
+            <a:off x="239285" y="4936890"/>
+            <a:ext cx="1044856" cy="276999"/>
+          </a:xfrm>
+          <a:prstGeom prst="rect">
+            <a:avLst/>
+          </a:prstGeom>
+          <a:noFill/>
+        </p:spPr>
+        <p:txBody>
+          <a:bodyPr wrap="square" rtlCol="0">
+            <a:spAutoFit/>
+          </a:bodyPr>
+          <a:lstStyle/>
+          <a:p>
+            <a:r>
+              <a:rPr lang="de-DE" sz="600" dirty="0">
+                <a:solidFill>
+                  <a:srgbClr val="5D5E5F"/>
+                </a:solidFill>
+                <a:latin typeface="Avenir Light"/>
+                <a:cs typeface="Avenir Light"/>
+              </a:rPr>
+              <a:t>Letzte Änderung: </a:t>
+            </a:r>
+            <a:fld id="{7A8C7DAC-E536-564C-B5B3-90E8FAB50562}" type="datetime1">
+              <a:rPr lang="de-DE" sz="600" smtClean="0">
+                <a:solidFill>
+                  <a:srgbClr val="5D5E5F"/>
+                </a:solidFill>
+                <a:latin typeface="Avenir Light"/>
+                <a:cs typeface="Avenir Light"/>
+              </a:rPr>
+              <a:t>04.11.15</a:t>
+            </a:fld>
+            <a:endParaRPr lang="de-DE" sz="600" dirty="0">
+              <a:solidFill>
+                <a:srgbClr val="5D5E5F"/>
+              </a:solidFill>
+              <a:latin typeface="Avenir Light"/>
+              <a:cs typeface="Avenir Light"/>
+            </a:endParaRPr>
+          </a:p>
+        </p:txBody>
+      </p:sp>
+      <p:sp>
+        <p:nvSpPr>
+          <p:cNvPr id="5" name="Shape 7"/>
+          <p:cNvSpPr/>
+          <p:nvPr userDrawn="1"/>
+        </p:nvSpPr>
+        <p:spPr>
+          <a:xfrm>
+            <a:off x="1683417" y="4952581"/>
+            <a:ext cx="4196016" cy="276995"/>
+          </a:xfrm>
+          <a:prstGeom prst="rect">
+            <a:avLst/>
+          </a:prstGeom>
+          <a:ln w="12700">
+            <a:miter lim="400000"/>
+          </a:ln>
+          <a:extLst>
+            <a:ext uri="{C572A759-6A51-4108-AA02-DFA0A04FC94B}">
+              <ma14:wrappingTextBoxFlag xmlns:ma14="http://schemas.microsoft.com/office/mac/drawingml/2011/main" val="1"/>
+            </a:ext>
+          </a:extLst>
+        </p:spPr>
+        <p:txBody>
+          <a:bodyPr wrap="none" lIns="45718" tIns="45718" rIns="45718" bIns="45718">
+            <a:spAutoFit/>
+          </a:bodyPr>
+          <a:lstStyle/>
+          <a:p>
+            <a:pPr lvl="0" algn="ctr">
+              <a:defRPr sz="1800"/>
+            </a:pPr>
+            <a:r>
+              <a:rPr sz="600" dirty="0">
+                <a:latin typeface="Avenir Light"/>
+                <a:ea typeface="Calibri"/>
+                <a:cs typeface="Avenir Light"/>
+                <a:sym typeface="Calibri"/>
+              </a:rPr>
+              <a:t>This work is licensed under the Creative Commons Attribution-NonCommercial-NoDerivatives 4.0 International License. </a:t>
+            </a:r>
+          </a:p>
+          <a:p>
+            <a:pPr lvl="0" algn="ctr">
+              <a:defRPr sz="1800"/>
+            </a:pPr>
+            <a:r>
+              <a:rPr sz="600" dirty="0">
+                <a:latin typeface="Avenir Light"/>
+                <a:ea typeface="Calibri"/>
+                <a:cs typeface="Avenir Light"/>
+                <a:sym typeface="Calibri"/>
+              </a:rPr>
+              <a:t>To view a copy of this license, visit </a:t>
+            </a:r>
+            <a:r>
+              <a:rPr sz="600" dirty="0">
+                <a:latin typeface="Avenir Light"/>
+                <a:ea typeface="Calibri"/>
+                <a:cs typeface="Avenir Light"/>
+                <a:sym typeface="Calibri"/>
+                <a:hlinkClick r:id="rId2"/>
+              </a:rPr>
+              <a:t>http://creativecommons.org/licenses/by-nc-nd/4.0/</a:t>
+            </a:r>
+            <a:r>
+              <a:rPr sz="600" dirty="0">
+                <a:latin typeface="Avenir Light"/>
+                <a:ea typeface="Calibri"/>
+                <a:cs typeface="Avenir Light"/>
+                <a:sym typeface="Calibri"/>
+              </a:rPr>
+              <a:t>.</a:t>
+            </a:r>
+          </a:p>
+        </p:txBody>
+      </p:sp>
+      <p:pic>
+        <p:nvPicPr>
+          <p:cNvPr id="6" name="pasted-image.tif"/>
+          <p:cNvPicPr/>
+          <p:nvPr userDrawn="1"/>
+        </p:nvPicPr>
+        <p:blipFill>
+          <a:blip r:embed="rId3">
+            <a:extLst/>
+          </a:blip>
+          <a:stretch>
+            <a:fillRect/>
+          </a:stretch>
+        </p:blipFill>
+        <p:spPr>
+          <a:xfrm>
+            <a:off x="6174185" y="4992838"/>
+            <a:ext cx="886619" cy="214128"/>
+          </a:xfrm>
+          <a:prstGeom prst="rect">
+            <a:avLst/>
+          </a:prstGeom>
+          <a:ln w="12700">
+            <a:miter lim="400000"/>
+          </a:ln>
+        </p:spPr>
+      </p:pic>
     </p:spTree>
     <p:extLst>
       <p:ext uri="{BB962C8B-B14F-4D97-AF65-F5344CB8AC3E}">
@@ -969,7 +1114,7 @@
           <a:p>
             <a:fld id="{FF5B2BAF-DF38-0A48-A798-0C06E514FD52}" type="datetimeFigureOut">
               <a:rPr lang="de-DE" smtClean="0"/>
-              <a:t>26.06.15</a:t>
+              <a:t>04.11.15</a:t>
             </a:fld>
             <a:endParaRPr lang="de-DE" dirty="0"/>
           </a:p>
@@ -1309,7 +1454,7 @@
           <a:p>
             <a:fld id="{FF5B2BAF-DF38-0A48-A798-0C06E514FD52}" type="datetimeFigureOut">
               <a:rPr lang="de-DE" smtClean="0"/>
-              <a:t>26.06.15</a:t>
+              <a:t>04.11.15</a:t>
             </a:fld>
             <a:endParaRPr lang="de-DE" dirty="0"/>
           </a:p>
@@ -1918,26 +2063,17 @@
               <a:rPr lang="de-DE" dirty="0" smtClean="0"/>
               <a:t>.</a:t>
             </a:r>
-            <a:endParaRPr lang="de-DE" dirty="0" smtClean="0"/>
-          </a:p>
-          <a:p>
-            <a:r>
-              <a:rPr lang="de-DE" dirty="0" smtClean="0"/>
-              <a:t>Eltern haben oft keine Idee, wie reifere Formen von Führungsverhalten aussehen und Kinder haben in dieser Konstellation keine Chance, sich als Persönlichkeit wahrgenommen zu fühlen und Eigenverantwortung zu </a:t>
-            </a:r>
-            <a:r>
-              <a:rPr lang="de-DE" dirty="0" smtClean="0"/>
-              <a:t>entwickeln.</a:t>
-            </a:r>
-          </a:p>
-          <a:p>
-            <a:r>
-              <a:rPr lang="de-DE" dirty="0" smtClean="0"/>
-              <a:t>Die </a:t>
-            </a:r>
-            <a:r>
-              <a:rPr lang="de-DE" dirty="0" smtClean="0"/>
-              <a:t>Idee, Kinder auf Augenhöhe wahrzunehmen, kommt Eltern oft als gefährlicher Dammbruch vor, der Kontrollverlust und Respektlosigkeit nach sich ziehen könnte. Zu sehr wird Respekt mit der Position verknüpft, als mit dem natürlichen Respekt, den jeder Mensch verdient, einfach weil er ein Mensch ist</a:t>
+          </a:p>
+          <a:p>
+            <a:r>
+              <a:rPr lang="de-DE" dirty="0" smtClean="0"/>
+              <a:t>Eltern haben oft keine Idee, wie reifere Formen von Führungsverhalten aussehen und Kinder haben in dieser Konstellation keine Chance, sich als Persönlichkeit wahrgenommen zu fühlen und Eigenverantwortung zu entwickeln.</a:t>
+            </a:r>
+          </a:p>
+          <a:p>
+            <a:r>
+              <a:rPr lang="de-DE" dirty="0" smtClean="0"/>
+              <a:t>Die Idee, Kinder auf Augenhöhe wahrzunehmen, kommt Eltern oft als gefährlicher Dammbruch vor, der Kontrollverlust und Respektlosigkeit nach sich ziehen könnte. Zu sehr wird Respekt mit der Position verknüpft, als mit dem natürlichen Respekt, den jeder Mensch verdient, einfach weil er ein Mensch ist</a:t>
             </a:r>
           </a:p>
           <a:p>
@@ -1957,15 +2093,7 @@
           <a:p>
             <a:r>
               <a:rPr lang="de-DE" dirty="0" smtClean="0"/>
-              <a:t>Kinder, die sich ernstgenommen und respektiert fühlen und nicht jederzeit durch dominantes Elternverhalten willkürlich in ihren Entscheidungen und Handlungen überstimmt </a:t>
-            </a:r>
-            <a:r>
-              <a:rPr lang="de-DE" dirty="0" smtClean="0"/>
-              <a:t>werden können, </a:t>
-            </a:r>
-            <a:r>
-              <a:rPr lang="de-DE" dirty="0" smtClean="0"/>
-              <a:t>lernen, </a:t>
+              <a:t>Kinder, die sich ernstgenommen und respektiert fühlen und nicht jederzeit durch dominantes Elternverhalten willkürlich in ihren Entscheidungen und Handlungen überstimmt werden können, lernen, </a:t>
             </a:r>
             <a:r>
               <a:rPr lang="de-DE" dirty="0"/>
@@ -1981,25 +2109,13 @@
             </a:r>
             <a:r>
               <a:rPr lang="de-DE" dirty="0" smtClean="0"/>
-              <a:t>andelns </a:t>
-            </a:r>
-            <a:r>
-              <a:rPr lang="de-DE" dirty="0" smtClean="0"/>
-              <a:t>auseinanderzusetzen.</a:t>
-            </a:r>
-          </a:p>
-          <a:p>
-            <a:r>
-              <a:rPr lang="de-DE" dirty="0" smtClean="0"/>
-              <a:t>Ein </a:t>
-            </a:r>
-            <a:r>
-              <a:rPr lang="de-DE" dirty="0" smtClean="0"/>
-              <a:t>erster Schritt ist, </a:t>
-            </a:r>
-            <a:r>
-              <a:rPr lang="de-DE" dirty="0" smtClean="0"/>
-              <a:t>sich im </a:t>
+              <a:t>andelns auseinanderzusetzen.</a:t>
+            </a:r>
+          </a:p>
+          <a:p>
+            <a:r>
+              <a:rPr lang="de-DE" dirty="0" smtClean="0"/>
+              <a:t>Ein erster Schritt ist, sich im </a:t>
             </a:r>
             <a:r>
               <a:rPr lang="de-DE" dirty="0"/>
@@ -2007,15 +2123,7 @@
             </a:r>
             <a:r>
               <a:rPr lang="de-DE" dirty="0" smtClean="0"/>
-              <a:t>Dialog </a:t>
-            </a:r>
-            <a:r>
-              <a:rPr lang="de-DE" dirty="0" smtClean="0"/>
-              <a:t>auf </a:t>
-            </a:r>
-            <a:r>
-              <a:rPr lang="de-DE" dirty="0" smtClean="0"/>
-              <a:t>Augenhöhe </a:t>
+              <a:t>Dialog auf Augenhöhe </a:t>
             </a:r>
             <a:r>
               <a:rPr lang="de-DE" dirty="0"/>
@@ -2025,6 +2133,57 @@
               <a:rPr lang="de-DE" dirty="0" smtClean="0"/>
               <a:t>auseinanderzusetzen. Die Familienverfassung kann dabei ein wichtiges Hilfsmittel sein.</a:t>
             </a:r>
+          </a:p>
+        </p:txBody>
+      </p:sp>
+      <p:sp>
+        <p:nvSpPr>
+          <p:cNvPr id="4" name="Untertitel 2"/>
+          <p:cNvSpPr>
+            <a:spLocks noGrp="1"/>
+          </p:cNvSpPr>
+          <p:nvPr>
+            <p:ph type="subTitle" idx="1"/>
+          </p:nvPr>
+        </p:nvSpPr>
+        <p:spPr>
+          <a:xfrm>
+            <a:off x="1166813" y="1097280"/>
+            <a:ext cx="5293995" cy="432967"/>
+          </a:xfrm>
+        </p:spPr>
+        <p:txBody>
+          <a:bodyPr vert="horz" lIns="80678" tIns="40339" rIns="80678" bIns="40339" rtlCol="0">
+            <a:normAutofit/>
+          </a:bodyPr>
+          <a:lstStyle>
+            <a:lvl1pPr>
+              <a:defRPr lang="de-DE" cap="all" dirty="0">
+                <a:latin typeface="Avenir Book"/>
+                <a:cs typeface="Avenir Book"/>
+              </a:defRPr>
+            </a:lvl1pPr>
+          </a:lstStyle>
+          <a:p>
+            <a:pPr marL="0" lvl="0" indent="0">
+              <a:spcBef>
+                <a:spcPct val="20000"/>
+              </a:spcBef>
+              <a:buClr>
+                <a:srgbClr val="7E006B"/>
+              </a:buClr>
+              <a:buSzPct val="170000"/>
+              <a:buNone/>
+            </a:pPr>
+            <a:r>
+              <a:rPr lang="de-DE" dirty="0" smtClean="0"/>
+              <a:t>Silke </a:t>
+            </a:r>
+            <a:r>
+              <a:rPr lang="de-DE" dirty="0" err="1" smtClean="0"/>
+              <a:t>Kainzbauer</a:t>
+            </a:r>
+            <a:endParaRPr lang="de-DE" dirty="0"/>
           </a:p>
         </p:txBody>
       </p:sp>
@@ -2041,7 +2200,7 @@
   <p:timing>
     <p:tnLst>
       <p:par>
-        <p:cTn xmlns:p14="http://schemas.microsoft.com/office/powerpoint/2010/main" id="1" dur="indefinite" restart="never" nodeType="tmRoot"/>
+        <p:cTn id="1" dur="indefinite" restart="never" nodeType="tmRoot"/>
       </p:par>
     </p:tnLst>
   </p:timing>
@@ -2083,28 +2242,60 @@
         </p:spPr>
         <p:txBody>
           <a:bodyPr>
-            <a:normAutofit fontScale="92500" lnSpcReduction="10000"/>
+            <a:normAutofit fontScale="92500"/>
           </a:bodyPr>
           <a:lstStyle/>
           <a:p>
+            <a:pPr>
+              <a:lnSpc>
+                <a:spcPts val="1200"/>
+              </a:lnSpc>
+              <a:spcBef>
+                <a:spcPts val="400"/>
+              </a:spcBef>
+            </a:pPr>
             <a:r>
               <a:rPr lang="de-DE" dirty="0" smtClean="0"/>
               <a:t>Grundlage der Familienverfassung ist die Freiwilligkeit aller Beteiligten.</a:t>
             </a:r>
           </a:p>
           <a:p>
+            <a:pPr>
+              <a:lnSpc>
+                <a:spcPts val="1200"/>
+              </a:lnSpc>
+              <a:spcBef>
+                <a:spcPts val="400"/>
+              </a:spcBef>
+            </a:pPr>
             <a:r>
               <a:rPr lang="de-DE" dirty="0" smtClean="0"/>
               <a:t>Vereinbart einen Termin, an dem die Familie bespricht, wie sie zusammenleben möchte.</a:t>
             </a:r>
           </a:p>
           <a:p>
+            <a:pPr>
+              <a:lnSpc>
+                <a:spcPts val="1200"/>
+              </a:lnSpc>
+              <a:spcBef>
+                <a:spcPts val="400"/>
+              </a:spcBef>
+            </a:pPr>
             <a:r>
               <a:rPr lang="de-DE" dirty="0" smtClean="0"/>
               <a:t>Jede Perspektive ist dabei gleich wichtig und wird angehört. Es gibt kein Richtig und kein Falsch.</a:t>
             </a:r>
           </a:p>
           <a:p>
+            <a:pPr>
+              <a:lnSpc>
+                <a:spcPts val="1200"/>
+              </a:lnSpc>
+              <a:spcBef>
+                <a:spcPts val="400"/>
+              </a:spcBef>
+            </a:pPr>
             <a:r>
               <a:rPr lang="de-DE" dirty="0" smtClean="0"/>
               <a:t>Gegenseitige Schuldzuweisungen und Vorwürfe werden sofort gestoppt.  Es geht um die persönliche Perspektive </a:t>
@@ -2119,27 +2310,42 @@
             </a:r>
           </a:p>
           <a:p>
-            <a:r>
-              <a:rPr lang="de-DE" dirty="0" smtClean="0"/>
-              <a:t>Dominanz ist eine Gewohnheit und nicht so leicht zu verändern. Versucht zu beobachten, wann jemand seine Perspektive durchdrücken und die anderen dominieren möchte und wann jemand wirklich versucht, die Sichtweise des anderen nachzuvollziehen</a:t>
-            </a:r>
-            <a:r>
-              <a:rPr lang="de-DE" dirty="0" smtClean="0"/>
-              <a:t>. Auch Rückzug und Passivität können Zeichen von Dominan</a:t>
-            </a:r>
-            <a:r>
-              <a:rPr lang="de-DE" dirty="0" smtClean="0"/>
-              <a:t>z sein.</a:t>
-            </a:r>
-            <a:endParaRPr lang="de-DE" dirty="0" smtClean="0"/>
-          </a:p>
-          <a:p>
+            <a:pPr>
+              <a:lnSpc>
+                <a:spcPts val="1200"/>
+              </a:lnSpc>
+              <a:spcBef>
+                <a:spcPts val="400"/>
+              </a:spcBef>
+            </a:pPr>
+            <a:r>
+              <a:rPr lang="de-DE" dirty="0" smtClean="0"/>
+              <a:t>Dominanz ist eine Gewohnheit und nicht so leicht zu verändern. Versucht zu beobachten, wann jemand seine Perspektive durchdrücken und die anderen dominieren möchte und wann jemand wirklich versucht, die Sichtweise des anderen nachzuvollziehen. Auch Rückzug und Passivität können Zeichen von Dominanz sein.</a:t>
+            </a:r>
+          </a:p>
+          <a:p>
+            <a:pPr>
+              <a:lnSpc>
+                <a:spcPts val="1200"/>
+              </a:lnSpc>
+              <a:spcBef>
+                <a:spcPts val="400"/>
+              </a:spcBef>
+            </a:pPr>
             <a:r>
               <a:rPr lang="de-DE" dirty="0" smtClean="0"/>
               <a:t>Vereinbart auf diese Weise in der Diskussion 3 – 5 Regeln, wie ihr künftig zusammenleben möchtet.</a:t>
             </a:r>
           </a:p>
           <a:p>
+            <a:pPr>
+              <a:lnSpc>
+                <a:spcPts val="1200"/>
+              </a:lnSpc>
+              <a:spcBef>
+                <a:spcPts val="400"/>
+              </a:spcBef>
+            </a:pPr>
             <a:r>
               <a:rPr lang="de-DE" dirty="0" smtClean="0"/>
               <a:t>Es ist wichtig, dass diese Regeln im Konsens gefunden werden und jeder das Gefühl hat, dass seine Perspektive mit eingeflossen ist. Sobald </a:t>
@@ -2154,6 +2360,14 @@
             </a:r>
           </a:p>
           <a:p>
+            <a:pPr>
+              <a:lnSpc>
+                <a:spcPts val="1200"/>
+              </a:lnSpc>
+              <a:spcBef>
+                <a:spcPts val="400"/>
+              </a:spcBef>
+            </a:pPr>
             <a:r>
               <a:rPr lang="de-DE" dirty="0" smtClean="0"/>
               <a:t>Schreibt die gefundenen Regeln auf und hängt sie für alle sichtbar auf.  An diese Regeln sollen sich nun alle </a:t>
@@ -2184,12 +2398,28 @@
             </a:r>
           </a:p>
           <a:p>
+            <a:pPr>
+              <a:lnSpc>
+                <a:spcPts val="1200"/>
+              </a:lnSpc>
+              <a:spcBef>
+                <a:spcPts val="400"/>
+              </a:spcBef>
+            </a:pPr>
             <a:r>
               <a:rPr lang="de-DE" dirty="0" smtClean="0"/>
               <a:t>Vereinbart einen Folgetermin in der kommenden Woche, an dem diese Regeln und die Umgangsweise damit reflektiert und ggf. angepasst werden. Sprecht dabei möglichst konkret über die beobachteten Verstöße. </a:t>
             </a:r>
           </a:p>
           <a:p>
+            <a:pPr>
+              <a:lnSpc>
+                <a:spcPts val="1200"/>
+              </a:lnSpc>
+              <a:spcBef>
+                <a:spcPts val="400"/>
+              </a:spcBef>
+            </a:pPr>
             <a:r>
               <a:rPr lang="de-DE" dirty="0"/>
               <a:t>Dieser Move gilt nur dann als durchgeführt, wenn es über einen Zeitraum von 6 Wochen hinweg jede Woche ein Treffen gibt, das nach den Regeln der Trainingskarte FAM 03: "Aufeinander hören" abläuft</a:t>
@@ -2200,6 +2430,14 @@
             </a:r>
           </a:p>
           <a:p>
+            <a:pPr>
+              <a:lnSpc>
+                <a:spcPts val="1200"/>
+              </a:lnSpc>
+              <a:spcBef>
+                <a:spcPts val="400"/>
+              </a:spcBef>
+            </a:pPr>
             <a:r>
               <a:rPr lang="de-DE" dirty="0" smtClean="0"/>
               <a:t>Verstöße gegen die Regeln haben keine weiteren Konsequenzen als das Gespräch darüber, weil nur Freiwilligkeit und Eigenverantwortung eine nachhaltige Veränderung bringen können und nicht aufgezwungene Regelkonformität.</a:t>
@@ -2251,7 +2489,7 @@
   <p:timing>
     <p:tnLst>
       <p:par>
-        <p:cTn xmlns:p14="http://schemas.microsoft.com/office/powerpoint/2010/main" id="1" dur="indefinite" restart="never" nodeType="tmRoot"/>
+        <p:cTn id="1" dur="indefinite" restart="never" nodeType="tmRoot"/>
       </p:par>
     </p:tnLst>
   </p:timing>
